--- a/backend/pptx-generator/result.pptx
+++ b/backend/pptx-generator/result.pptx
@@ -257,7 +257,7 @@
           <a:p>
             <a:fld id="{A65AF327-09E9-4D31-8D70-3EA94FAFF528}" type="datetimeFigureOut">
               <a:rPr lang="ru-RU" smtClean="0"/>
-              <a:t>14.03.2025</a:t>
+              <a:t>21.03.2025</a:t>
             </a:fld>
             <a:endParaRPr lang="ru-RU"/>
           </a:p>
@@ -450,7 +450,7 @@
           <a:p>
             <a:fld id="{5279202E-404E-48F2-B594-91972C2BB880}" type="datetimeFigureOut">
               <a:rPr lang="ru-RU" smtClean="0"/>
-              <a:t>14.03.2025</a:t>
+              <a:t>21.03.2025</a:t>
             </a:fld>
             <a:endParaRPr lang="ru-RU"/>
           </a:p>
@@ -18475,89 +18475,6 @@
           </a:p>
         </p:txBody>
       </p:sp>
-      <p:cxnSp>
-        <p:nvCxnSpPr>
-          <p:cNvPr id="245" name="Прямая соединительная линия 244">
-            <a:extLst>
-              <a:ext uri="{FF2B5EF4-FFF2-40B4-BE49-F238E27FC236}">
-                <a16:creationId xmlns:a16="http://schemas.microsoft.com/office/drawing/2014/main" id="{DB8E48F9-7EAD-DF49-D29A-1573EF25A0B7}"/>
-              </a:ext>
-            </a:extLst>
-          </p:cNvPr>
-          <p:cNvCxnSpPr>
-            <a:cxnSpLocks/>
-          </p:cNvCxnSpPr>
-          <p:nvPr/>
-        </p:nvCxnSpPr>
-        <p:spPr>
-          <a:xfrm>
-            <a:off x="3423910" y="2308170"/>
-            <a:ext cx="24276" cy="3082781"/>
-          </a:xfrm>
-          <a:prstGeom prst="line">
-            <a:avLst/>
-          </a:prstGeom>
-          <a:noFill/>
-          <a:ln w="22225" cap="sq">
-            <a:solidFill>
-              <a:srgbClr val="FFB308"/>
-            </a:solidFill>
-            <a:round/>
-            <a:headEnd w="lg" len="lg"/>
-            <a:tailEnd type="none" w="med" len="med"/>
-          </a:ln>
-          <a:effectLst>
-            <a:glow>
-              <a:schemeClr val="bg1"/>
-            </a:glow>
-          </a:effectLst>
-        </p:spPr>
-      </p:cxnSp>
-      <p:sp>
-        <p:nvSpPr>
-          <p:cNvPr id="271" name="Ромб 270">
-            <a:extLst>
-              <a:ext uri="{FF2B5EF4-FFF2-40B4-BE49-F238E27FC236}">
-                <a16:creationId xmlns:a16="http://schemas.microsoft.com/office/drawing/2014/main" id="{672A1029-5741-E72E-6CB9-55297E02E861}"/>
-              </a:ext>
-            </a:extLst>
-          </p:cNvPr>
-          <p:cNvSpPr/>
-          <p:nvPr/>
-        </p:nvSpPr>
-        <p:spPr>
-          <a:xfrm>
-            <a:off x="3330016" y="5382108"/>
-            <a:ext cx="216000" cy="216000"/>
-          </a:xfrm>
-          <a:prstGeom prst="diamond">
-            <a:avLst/>
-          </a:prstGeom>
-          <a:solidFill>
-            <a:srgbClr val="FFB408"/>
-          </a:solidFill>
-          <a:ln w="6350">
-            <a:solidFill>
-              <a:schemeClr val="tx1">
-                <a:lumMod val="85000"/>
-                <a:lumOff val="15000"/>
-              </a:schemeClr>
-            </a:solidFill>
-            <a:round/>
-            <a:headEnd w="lg" len="lg"/>
-            <a:tailEnd type="oval" w="med" len="med"/>
-          </a:ln>
-          <a:effectLst/>
-        </p:spPr>
-        <p:txBody>
-          <a:bodyPr rtlCol="0" anchor="ctr"/>
-          <a:lstStyle/>
-          <a:p>
-            <a:pPr algn="ctr"/>
-            <a:endParaRPr lang="ru-RU" sz="3030"/>
-          </a:p>
-        </p:txBody>
-      </p:sp>
       <p:grpSp>
         <p:nvGrpSpPr>
           <p:cNvPr id="68" name="Группа 67"/>
@@ -19043,181 +18960,6 @@
                 </a:rPr>
                 <a:t>Существующие поликлиники</a:t>
               </a:r>
-            </a:p>
-          </p:txBody>
-        </p:sp>
-      </p:grpSp>
-      <p:grpSp>
-        <p:nvGrpSpPr>
-          <p:cNvPr id="10" name="Группа 9"/>
-          <p:cNvGrpSpPr/>
-          <p:nvPr/>
-        </p:nvGrpSpPr>
-        <p:grpSpPr>
-          <a:xfrm>
-            <a:off x="942090" y="1398673"/>
-            <a:ext cx="5979701" cy="900654"/>
-            <a:chOff x="1230879" y="1558931"/>
-            <a:chExt cx="5015196" cy="900654"/>
-          </a:xfrm>
-        </p:grpSpPr>
-        <p:sp>
-          <p:nvSpPr>
-            <p:cNvPr id="244" name="TextBox 243">
-              <a:extLst>
-                <a:ext uri="{FF2B5EF4-FFF2-40B4-BE49-F238E27FC236}">
-                  <a16:creationId xmlns:a16="http://schemas.microsoft.com/office/drawing/2014/main" id="{87B58024-C4DE-A4C8-287B-1B580047B529}"/>
-                </a:ext>
-              </a:extLst>
-            </p:cNvPr>
-            <p:cNvSpPr txBox="1"/>
-            <p:nvPr/>
-          </p:nvSpPr>
-          <p:spPr>
-            <a:xfrm>
-              <a:off x="1230879" y="1559339"/>
-              <a:ext cx="5015196" cy="900246"/>
-            </a:xfrm>
-            <a:prstGeom prst="rect">
-              <a:avLst/>
-            </a:prstGeom>
-            <a:noFill/>
-            <a:ln>
-              <a:noFill/>
-            </a:ln>
-          </p:spPr>
-          <p:txBody>
-            <a:bodyPr wrap="square">
-              <a:spAutoFit/>
-            </a:bodyPr>
-            <a:lstStyle/>
-            <a:p>
-              <a:pPr marL="12700" marR="5080" indent="-635" algn="ctr">
-                <a:spcBef>
-                  <a:spcPts val="100"/>
-                </a:spcBef>
-              </a:pPr>
-              <a:r>
-                <a:rPr lang="ru-RU" sz="1400" b="1" dirty="0">
-                  <a:latin typeface="Century Gothic"/>
-                  <a:cs typeface="Century Gothic"/>
-                </a:rPr>
-                <a:t>Херсонская ул., вл. 20</a:t>
-              </a:r>
-            </a:p>
-            <a:p>
-              <a:pPr marL="12700" marR="5080" indent="-635" algn="ctr">
-                <a:spcBef>
-                  <a:spcPts val="100"/>
-                </a:spcBef>
-              </a:pPr>
-              <a:r>
-                <a:rPr lang="ru-RU" sz="1200" b="1" u="sng" dirty="0">
-                  <a:latin typeface="Century Gothic"/>
-                  <a:cs typeface="Century Gothic"/>
-                </a:rPr>
-                <a:t>Смешанная поликлиника на 750 мест</a:t>
-              </a:r>
-            </a:p>
-            <a:p>
-              <a:pPr marL="12700" marR="5080" indent="-635" algn="ctr">
-                <a:spcBef>
-                  <a:spcPts val="100"/>
-                </a:spcBef>
-              </a:pPr>
-              <a:r>
-                <a:rPr lang="ru-RU" sz="1200" b="1" dirty="0">
-                  <a:latin typeface="Century Gothic"/>
-                  <a:cs typeface="Century Gothic"/>
-                </a:rPr>
-                <a:t>СПП – 11 179 кв. м</a:t>
-              </a:r>
-            </a:p>
-            <a:p>
-              <a:pPr marL="12700" marR="5080" indent="-635" algn="ctr">
-                <a:spcBef>
-                  <a:spcPts val="100"/>
-                </a:spcBef>
-              </a:pPr>
-              <a:r>
-                <a:rPr lang="en-US" sz="1200" b="1" dirty="0">
-                  <a:latin typeface="Century Gothic"/>
-                  <a:cs typeface="Century Gothic"/>
-                </a:rPr>
-                <a:t>S</a:t>
-              </a:r>
-              <a:r>
-                <a:rPr lang="ru-RU" sz="1000" b="1" dirty="0">
-                  <a:latin typeface="Century Gothic"/>
-                  <a:cs typeface="Century Gothic"/>
-                </a:rPr>
-                <a:t>уч</a:t>
-              </a:r>
-              <a:r>
-                <a:rPr lang="ru-RU" sz="1200" b="1" dirty="0">
-                  <a:latin typeface="Century Gothic"/>
-                  <a:cs typeface="Century Gothic"/>
-                </a:rPr>
-                <a:t> – 0</a:t>
-              </a:r>
-              <a:r>
-                <a:rPr lang="en-US" sz="1200" b="1" dirty="0">
-                  <a:latin typeface="Century Gothic"/>
-                  <a:cs typeface="Century Gothic"/>
-                </a:rPr>
-                <a:t>,746 </a:t>
-              </a:r>
-              <a:r>
-                <a:rPr lang="ru-RU" sz="1200" b="1" dirty="0">
-                  <a:latin typeface="Century Gothic"/>
-                  <a:cs typeface="Century Gothic"/>
-                </a:rPr>
-                <a:t>га</a:t>
-              </a:r>
-              <a:endParaRPr lang="en-US" sz="1200" b="1" dirty="0">
-                <a:latin typeface="Century Gothic"/>
-                <a:cs typeface="Century Gothic"/>
-              </a:endParaRPr>
-            </a:p>
-          </p:txBody>
-        </p:sp>
-        <p:sp>
-          <p:nvSpPr>
-            <p:cNvPr id="259" name="Скругленный прямоугольник 14">
-              <a:extLst>
-                <a:ext uri="{FF2B5EF4-FFF2-40B4-BE49-F238E27FC236}">
-                  <a16:creationId xmlns:a16="http://schemas.microsoft.com/office/drawing/2014/main" id="{17F69AB5-1DD3-B380-6402-90E809B5DDCD}"/>
-                </a:ext>
-              </a:extLst>
-            </p:cNvPr>
-            <p:cNvSpPr/>
-            <p:nvPr/>
-          </p:nvSpPr>
-          <p:spPr>
-            <a:xfrm>
-              <a:off x="1230879" y="1558931"/>
-              <a:ext cx="4952416" cy="900654"/>
-            </a:xfrm>
-            <a:prstGeom prst="roundRect">
-              <a:avLst/>
-            </a:prstGeom>
-            <a:noFill/>
-            <a:ln w="19050">
-              <a:solidFill>
-                <a:srgbClr val="FFB308"/>
-              </a:solidFill>
-              <a:round/>
-              <a:headEnd w="lg" len="lg"/>
-              <a:tailEnd type="oval" w="med" len="med"/>
-            </a:ln>
-            <a:effectLst/>
-          </p:spPr>
-          <p:txBody>
-            <a:bodyPr rtlCol="0" anchor="ctr"/>
-            <a:lstStyle/>
-            <a:p>
-              <a:pPr algn="ctr"/>
-              <a:endParaRPr lang="ru-RU" sz="1600" dirty="0"/>
             </a:p>
           </p:txBody>
         </p:sp>
@@ -20544,7 +20286,7 @@
               </a:defRPr>
             </a:pPr>
             <a:r>
-              <a:t>4600</a:t>
+              <a:t>-185</a:t>
             </a:r>
           </a:p>
         </p:txBody>
@@ -20583,7 +20325,7 @@
               </a:defRPr>
             </a:pPr>
             <a:r>
-              <a:t>1876</a:t>
+              <a:t>19</a:t>
             </a:r>
           </a:p>
         </p:txBody>
@@ -21416,7 +21158,7 @@
               </a:defRPr>
             </a:pPr>
             <a:r>
-              <a:t>-3343</a:t>
+              <a:t>None</a:t>
             </a:r>
           </a:p>
         </p:txBody>
@@ -21455,7 +21197,7 @@
               </a:defRPr>
             </a:pPr>
             <a:r>
-              <a:t>-1324</a:t>
+              <a:t>None</a:t>
             </a:r>
           </a:p>
         </p:txBody>
@@ -21632,49 +21374,9 @@
           </a:p>
         </p:txBody>
       </p:sp>
-      <p:sp>
-        <p:nvSpPr>
-          <p:cNvPr id="75" name="Звезда: 5 точек 74">
-            <a:extLst>
-              <a:ext uri="{FF2B5EF4-FFF2-40B4-BE49-F238E27FC236}">
-                <a16:creationId xmlns:a16="http://schemas.microsoft.com/office/drawing/2014/main" id="{C011D44E-1E17-6B04-6766-C1AB08CF0C6B}"/>
-              </a:ext>
-            </a:extLst>
-          </p:cNvPr>
-          <p:cNvSpPr/>
-          <p:nvPr/>
-        </p:nvSpPr>
-        <p:spPr>
-          <a:xfrm>
-            <a:off x="5380958" y="1423729"/>
-            <a:ext cx="856527" cy="794004"/>
-          </a:xfrm>
-          <a:prstGeom prst="star5">
-            <a:avLst/>
-          </a:prstGeom>
-          <a:solidFill>
-            <a:srgbClr val="C00000"/>
-          </a:solidFill>
-          <a:ln w="19050">
-            <a:noFill/>
-            <a:round/>
-            <a:headEnd w="lg" len="lg"/>
-            <a:tailEnd type="oval" w="med" len="med"/>
-          </a:ln>
-          <a:effectLst/>
-        </p:spPr>
-        <p:txBody>
-          <a:bodyPr rtlCol="0" anchor="ctr"/>
-          <a:lstStyle/>
-          <a:p>
-            <a:pPr algn="ctr"/>
-            <a:endParaRPr lang="ru-RU" sz="3030"/>
-          </a:p>
-        </p:txBody>
-      </p:sp>
       <p:pic>
         <p:nvPicPr>
-          <p:cNvPr id="288" name="Picture 287" descr="tmpnlvd5akv.png"/>
+          <p:cNvPr id="288" name="Picture 287" descr="tmp9h5o5f7a.png"/>
           <p:cNvPicPr>
             <a:picLocks noChangeAspect="1"/>
           </p:cNvPicPr>
@@ -22213,6 +21915,108 @@
           <a:lstStyle/>
           <a:p>
             <a:pPr algn="ctr"/>
+          </a:p>
+        </p:txBody>
+      </p:sp>
+      <p:sp>
+        <p:nvSpPr>
+          <p:cNvPr id="302" name="Rectangle 301"/>
+          <p:cNvSpPr/>
+          <p:nvPr/>
+        </p:nvSpPr>
+        <p:spPr>
+          <a:xfrm rot="18900000">
+            <a:off x="3343758" y="3979148"/>
+            <a:ext cx="180000" cy="180000"/>
+          </a:xfrm>
+          <a:prstGeom prst="rect">
+            <a:avLst/>
+          </a:prstGeom>
+          <a:solidFill>
+            <a:srgbClr val="FFB408"/>
+          </a:solidFill>
+          <a:ln w="6350">
+            <a:solidFill>
+              <a:srgbClr val="000008"/>
+            </a:solidFill>
+          </a:ln>
+        </p:spPr>
+        <p:style>
+          <a:lnRef idx="1">
+            <a:schemeClr val="accent1"/>
+          </a:lnRef>
+          <a:fillRef idx="3">
+            <a:schemeClr val="accent1"/>
+          </a:fillRef>
+          <a:effectRef idx="2">
+            <a:schemeClr val="accent1"/>
+          </a:effectRef>
+          <a:fontRef idx="minor">
+            <a:schemeClr val="lt1"/>
+          </a:fontRef>
+        </p:style>
+        <p:txBody>
+          <a:bodyPr rtlCol="0" anchor="ctr"/>
+          <a:lstStyle/>
+          <a:p>
+            <a:pPr algn="ctr"/>
+          </a:p>
+        </p:txBody>
+      </p:sp>
+      <p:sp>
+        <p:nvSpPr>
+          <p:cNvPr id="303" name="Rounded Rectangle 302"/>
+          <p:cNvSpPr/>
+          <p:nvPr/>
+        </p:nvSpPr>
+        <p:spPr>
+          <a:xfrm>
+            <a:off x="957600" y="1400400"/>
+            <a:ext cx="5979600" cy="939600"/>
+          </a:xfrm>
+          <a:prstGeom prst="roundRect">
+            <a:avLst/>
+          </a:prstGeom>
+          <a:solidFill>
+            <a:srgbClr val="FFFFFF"/>
+          </a:solidFill>
+          <a:ln w="19050">
+            <a:solidFill>
+              <a:srgbClr val="FFB308"/>
+            </a:solidFill>
+          </a:ln>
+        </p:spPr>
+        <p:style>
+          <a:lnRef idx="1">
+            <a:schemeClr val="accent1"/>
+          </a:lnRef>
+          <a:fillRef idx="3">
+            <a:schemeClr val="accent1"/>
+          </a:fillRef>
+          <a:effectRef idx="2">
+            <a:schemeClr val="accent1"/>
+          </a:effectRef>
+          <a:fontRef idx="minor">
+            <a:schemeClr val="lt1"/>
+          </a:fontRef>
+        </p:style>
+        <p:txBody>
+          <a:bodyPr rtlCol="0" anchor="ctr" wrap="square">
+            <a:spAutoFit/>
+          </a:bodyPr>
+          <a:lstStyle/>
+          <a:p>
+            <a:pPr algn="ctr">
+              <a:defRPr sz="1400" i="0" b="1">
+                <a:solidFill>
+                  <a:srgbClr val="000000"/>
+                </a:solidFill>
+                <a:latin typeface="Century Gothic"/>
+              </a:defRPr>
+            </a:pPr>
+            <a:r>
+              <a:t>Какой-то адрес</a:t>
+            </a:r>
           </a:p>
         </p:txBody>
       </p:sp>

--- a/backend/pptx-generator/result.pptx
+++ b/backend/pptx-generator/result.pptx
@@ -21376,7 +21376,7 @@
       </p:sp>
       <p:pic>
         <p:nvPicPr>
-          <p:cNvPr id="288" name="Picture 287" descr="tmp9h5o5f7a.png"/>
+          <p:cNvPr id="288" name="Picture 287" descr="tmp93qf_8vs.png"/>
           <p:cNvPicPr>
             <a:picLocks noChangeAspect="1"/>
           </p:cNvPicPr>
@@ -21926,7 +21926,7 @@
         </p:nvSpPr>
         <p:spPr>
           <a:xfrm rot="18900000">
-            <a:off x="3343758" y="3979148"/>
+            <a:off x="2851718" y="4105693"/>
             <a:ext cx="180000" cy="180000"/>
           </a:xfrm>
           <a:prstGeom prst="rect">
